--- a/topic02/talk-2/dataDiscoveryIIs.pptx
+++ b/topic02/talk-2/dataDiscoveryIIs.pptx
@@ -132,7 +132,7 @@
   </p:defaultTextStyle>
   <p:extLst>
     <p:ext uri="{EFAFB233-063F-42B5-8137-9DF3F51BA10A}">
-      <p15:sldGuideLst xmlns:p15="http://schemas.microsoft.com/office/powerpoint/2012/main" xmlns="">
+      <p15:sldGuideLst xmlns:p15="http://schemas.microsoft.com/office/powerpoint/2012/main">
         <p15:guide id="1" orient="horz" pos="2160">
           <p15:clr>
             <a:srgbClr val="A4A3A4"/>
@@ -231,7 +231,7 @@
           <a:p>
             <a:fld id="{66F332A7-8841-4108-896E-7A167BF10CA9}" type="datetimeFigureOut">
               <a:rPr lang="en-IE" smtClean="0"/>
-              <a:t>02/02/2015</a:t>
+              <a:t>01/02/2016</a:t>
             </a:fld>
             <a:endParaRPr lang="en-IE"/>
           </a:p>
@@ -2553,7 +2553,7 @@
           <a:p>
             <a:fld id="{6A5F1B1E-E166-4A75-AEBB-2186B377CC3F}" type="datetime1">
               <a:rPr lang="en-IE" smtClean="0"/>
-              <a:t>02/02/2015</a:t>
+              <a:t>01/02/2016</a:t>
             </a:fld>
             <a:endParaRPr lang="en-IE"/>
           </a:p>
@@ -3191,7 +3191,7 @@
           <a:p>
             <a:fld id="{801BAF86-5923-4E67-AB0B-D124D539B304}" type="datetime1">
               <a:rPr lang="en-IE" smtClean="0"/>
-              <a:t>02/02/2015</a:t>
+              <a:t>01/02/2016</a:t>
             </a:fld>
             <a:endParaRPr lang="en-IE"/>
           </a:p>
@@ -3473,7 +3473,7 @@
           <a:p>
             <a:fld id="{7A8E17CB-40D7-4321-AB51-F445F86DDAFB}" type="datetime1">
               <a:rPr lang="en-IE" smtClean="0"/>
-              <a:t>02/02/2015</a:t>
+              <a:t>01/02/2016</a:t>
             </a:fld>
             <a:endParaRPr lang="en-IE"/>
           </a:p>
@@ -3838,7 +3838,7 @@
           <a:p>
             <a:fld id="{7735C954-39E8-4353-9BB5-0C094CC5FD59}" type="datetime1">
               <a:rPr lang="en-IE" smtClean="0"/>
-              <a:t>02/02/2015</a:t>
+              <a:t>01/02/2016</a:t>
             </a:fld>
             <a:endParaRPr lang="en-IE"/>
           </a:p>
@@ -4024,7 +4024,7 @@
           <a:p>
             <a:fld id="{A40BB453-4F70-4D78-B5DA-7D7BCF250FC1}" type="datetime1">
               <a:rPr lang="en-IE" smtClean="0"/>
-              <a:t>02/02/2015</a:t>
+              <a:t>01/02/2016</a:t>
             </a:fld>
             <a:endParaRPr lang="en-IE"/>
           </a:p>
@@ -4674,7 +4674,7 @@
           <a:p>
             <a:fld id="{B3B8D4F8-314F-4F79-839B-5CF6C56C337E}" type="datetime1">
               <a:rPr lang="en-IE" smtClean="0"/>
-              <a:t>02/02/2015</a:t>
+              <a:t>01/02/2016</a:t>
             </a:fld>
             <a:endParaRPr lang="en-IE"/>
           </a:p>
@@ -5105,7 +5105,7 @@
           <a:p>
             <a:fld id="{17C3C5CA-BC61-470C-9C40-BF117B8CE524}" type="datetime1">
               <a:rPr lang="en-IE" smtClean="0"/>
-              <a:t>02/02/2015</a:t>
+              <a:t>01/02/2016</a:t>
             </a:fld>
             <a:endParaRPr lang="en-IE"/>
           </a:p>
@@ -5223,7 +5223,7 @@
           <a:p>
             <a:fld id="{D92E2690-4D56-4704-B550-E706F8F429E3}" type="datetime1">
               <a:rPr lang="en-IE" smtClean="0"/>
-              <a:t>02/02/2015</a:t>
+              <a:t>01/02/2016</a:t>
             </a:fld>
             <a:endParaRPr lang="en-IE"/>
           </a:p>
@@ -5409,7 +5409,7 @@
           <a:p>
             <a:fld id="{9041328A-5E99-4290-B222-D3170E00DC4A}" type="datetime1">
               <a:rPr lang="en-IE" smtClean="0"/>
-              <a:t>02/02/2015</a:t>
+              <a:t>01/02/2016</a:t>
             </a:fld>
             <a:endParaRPr lang="en-IE"/>
           </a:p>
@@ -5680,7 +5680,7 @@
           <a:p>
             <a:fld id="{760ADCB3-1132-47C0-B08C-001180196EDD}" type="datetime1">
               <a:rPr lang="en-IE" smtClean="0"/>
-              <a:t>02/02/2015</a:t>
+              <a:t>01/02/2016</a:t>
             </a:fld>
             <a:endParaRPr lang="en-IE"/>
           </a:p>
@@ -6155,7 +6155,7 @@
           <a:p>
             <a:fld id="{24733730-B776-4188-86C2-7429131E3F38}" type="datetime1">
               <a:rPr lang="en-IE" smtClean="0"/>
-              <a:t>02/02/2015</a:t>
+              <a:t>01/02/2016</a:t>
             </a:fld>
             <a:endParaRPr lang="en-IE"/>
           </a:p>
@@ -6720,7 +6720,7 @@
           <a:p>
             <a:fld id="{65178996-4DE4-4DAC-8175-E7852936983F}" type="datetime1">
               <a:rPr lang="en-IE" smtClean="0"/>
-              <a:t>02/02/2015</a:t>
+              <a:t>01/02/2016</a:t>
             </a:fld>
             <a:endParaRPr lang="en-IE"/>
           </a:p>
@@ -12590,7 +12590,7 @@
   <a:extraClrSchemeLst/>
   <a:extLst>
     <a:ext uri="{05A4C25C-085E-4340-85A3-A5531E510DB2}">
-      <thm15:themeFamily xmlns:thm15="http://schemas.microsoft.com/office/thememl/2012/main" xmlns="" name="analytic" id="{9A28554E-78CD-4F85-AE53-59AAB432ED69}" vid="{CA8F7F4E-8027-487E-91E4-E9646DCEB1B6}"/>
+      <thm15:themeFamily xmlns:thm15="http://schemas.microsoft.com/office/thememl/2012/main" name="analytic" id="{9A28554E-78CD-4F85-AE53-59AAB432ED69}" vid="{CA8F7F4E-8027-487E-91E4-E9646DCEB1B6}"/>
     </a:ext>
   </a:extLst>
 </a:theme>
@@ -12851,7 +12851,7 @@
   <a:extraClrSchemeLst/>
   <a:extLst>
     <a:ext uri="{05A4C25C-085E-4340-85A3-A5531E510DB2}">
-      <thm15:themeFamily xmlns:thm15="http://schemas.microsoft.com/office/thememl/2012/main" xmlns="" name="Office Theme" id="{62F939B6-93AF-4DB8-9C6B-D6C7DFDC589F}" vid="{4A3C46E8-61CC-4603-A589-7422A47A8E4A}"/>
+      <thm15:themeFamily xmlns:thm15="http://schemas.microsoft.com/office/thememl/2012/main" name="Office Theme" id="{62F939B6-93AF-4DB8-9C6B-D6C7DFDC589F}" vid="{4A3C46E8-61CC-4603-A589-7422A47A8E4A}"/>
     </a:ext>
   </a:extLst>
 </a:theme>
